--- a/assets/img/erros.pptx
+++ b/assets/img/erros.pptx
@@ -259,7 +259,7 @@
           <a:p>
             <a:fld id="{0CABD12D-3A0F-4B36-B262-1CA8D70A158F}" type="datetimeFigureOut">
               <a:rPr lang="pt-BR" smtClean="0"/>
-              <a:t>17/06/2023</a:t>
+              <a:t>24/06/2023</a:t>
             </a:fld>
             <a:endParaRPr lang="pt-BR"/>
           </a:p>
@@ -457,7 +457,7 @@
           <a:p>
             <a:fld id="{0CABD12D-3A0F-4B36-B262-1CA8D70A158F}" type="datetimeFigureOut">
               <a:rPr lang="pt-BR" smtClean="0"/>
-              <a:t>17/06/2023</a:t>
+              <a:t>24/06/2023</a:t>
             </a:fld>
             <a:endParaRPr lang="pt-BR"/>
           </a:p>
@@ -665,7 +665,7 @@
           <a:p>
             <a:fld id="{0CABD12D-3A0F-4B36-B262-1CA8D70A158F}" type="datetimeFigureOut">
               <a:rPr lang="pt-BR" smtClean="0"/>
-              <a:t>17/06/2023</a:t>
+              <a:t>24/06/2023</a:t>
             </a:fld>
             <a:endParaRPr lang="pt-BR"/>
           </a:p>
@@ -863,7 +863,7 @@
           <a:p>
             <a:fld id="{0CABD12D-3A0F-4B36-B262-1CA8D70A158F}" type="datetimeFigureOut">
               <a:rPr lang="pt-BR" smtClean="0"/>
-              <a:t>17/06/2023</a:t>
+              <a:t>24/06/2023</a:t>
             </a:fld>
             <a:endParaRPr lang="pt-BR"/>
           </a:p>
@@ -1138,7 +1138,7 @@
           <a:p>
             <a:fld id="{0CABD12D-3A0F-4B36-B262-1CA8D70A158F}" type="datetimeFigureOut">
               <a:rPr lang="pt-BR" smtClean="0"/>
-              <a:t>17/06/2023</a:t>
+              <a:t>24/06/2023</a:t>
             </a:fld>
             <a:endParaRPr lang="pt-BR"/>
           </a:p>
@@ -1403,7 +1403,7 @@
           <a:p>
             <a:fld id="{0CABD12D-3A0F-4B36-B262-1CA8D70A158F}" type="datetimeFigureOut">
               <a:rPr lang="pt-BR" smtClean="0"/>
-              <a:t>17/06/2023</a:t>
+              <a:t>24/06/2023</a:t>
             </a:fld>
             <a:endParaRPr lang="pt-BR"/>
           </a:p>
@@ -1815,7 +1815,7 @@
           <a:p>
             <a:fld id="{0CABD12D-3A0F-4B36-B262-1CA8D70A158F}" type="datetimeFigureOut">
               <a:rPr lang="pt-BR" smtClean="0"/>
-              <a:t>17/06/2023</a:t>
+              <a:t>24/06/2023</a:t>
             </a:fld>
             <a:endParaRPr lang="pt-BR"/>
           </a:p>
@@ -1956,7 +1956,7 @@
           <a:p>
             <a:fld id="{0CABD12D-3A0F-4B36-B262-1CA8D70A158F}" type="datetimeFigureOut">
               <a:rPr lang="pt-BR" smtClean="0"/>
-              <a:t>17/06/2023</a:t>
+              <a:t>24/06/2023</a:t>
             </a:fld>
             <a:endParaRPr lang="pt-BR"/>
           </a:p>
@@ -2069,7 +2069,7 @@
           <a:p>
             <a:fld id="{0CABD12D-3A0F-4B36-B262-1CA8D70A158F}" type="datetimeFigureOut">
               <a:rPr lang="pt-BR" smtClean="0"/>
-              <a:t>17/06/2023</a:t>
+              <a:t>24/06/2023</a:t>
             </a:fld>
             <a:endParaRPr lang="pt-BR"/>
           </a:p>
@@ -2380,7 +2380,7 @@
           <a:p>
             <a:fld id="{0CABD12D-3A0F-4B36-B262-1CA8D70A158F}" type="datetimeFigureOut">
               <a:rPr lang="pt-BR" smtClean="0"/>
-              <a:t>17/06/2023</a:t>
+              <a:t>24/06/2023</a:t>
             </a:fld>
             <a:endParaRPr lang="pt-BR"/>
           </a:p>
@@ -2668,7 +2668,7 @@
           <a:p>
             <a:fld id="{0CABD12D-3A0F-4B36-B262-1CA8D70A158F}" type="datetimeFigureOut">
               <a:rPr lang="pt-BR" smtClean="0"/>
-              <a:t>17/06/2023</a:t>
+              <a:t>24/06/2023</a:t>
             </a:fld>
             <a:endParaRPr lang="pt-BR"/>
           </a:p>
@@ -2909,7 +2909,7 @@
           <a:p>
             <a:fld id="{0CABD12D-3A0F-4B36-B262-1CA8D70A158F}" type="datetimeFigureOut">
               <a:rPr lang="pt-BR" smtClean="0"/>
-              <a:t>17/06/2023</a:t>
+              <a:t>24/06/2023</a:t>
             </a:fld>
             <a:endParaRPr lang="pt-BR"/>
           </a:p>
@@ -3341,14 +3341,14 @@
           <p:nvPr>
             <p:extLst>
               <p:ext uri="{D42A27DB-BD31-4B8C-83A1-F6EECF244321}">
-                <p14:modId xmlns:p14="http://schemas.microsoft.com/office/powerpoint/2010/main" val="1265270837"/>
+                <p14:modId xmlns:p14="http://schemas.microsoft.com/office/powerpoint/2010/main" val="2315738328"/>
               </p:ext>
             </p:extLst>
           </p:nvPr>
         </p:nvGraphicFramePr>
         <p:xfrm>
-          <a:off x="372164" y="1258957"/>
-          <a:ext cx="11515035" cy="4635165"/>
+          <a:off x="338482" y="278296"/>
+          <a:ext cx="11515035" cy="4346714"/>
         </p:xfrm>
         <a:graphic>
           <a:graphicData uri="http://schemas.openxmlformats.org/drawingml/2006/table">
@@ -3414,7 +3414,7 @@
                   </a:extLst>
                 </a:gridCol>
               </a:tblGrid>
-              <a:tr h="500604">
+              <a:tr h="469451">
                 <a:tc rowSpan="3">
                   <a:txBody>
                     <a:bodyPr/>
@@ -3771,7 +3771,7 @@
                   </a:ext>
                 </a:extLst>
               </a:tr>
-              <a:tr h="500604">
+              <a:tr h="469451">
                 <a:tc vMerge="1">
                   <a:txBody>
                     <a:bodyPr/>
@@ -4211,7 +4211,7 @@
                   </a:ext>
                 </a:extLst>
               </a:tr>
-              <a:tr h="983639">
+              <a:tr h="922426">
                 <a:tc vMerge="1">
                   <a:txBody>
                     <a:bodyPr/>
@@ -4675,7 +4675,7 @@
                   </a:ext>
                 </a:extLst>
               </a:tr>
-              <a:tr h="742122">
+              <a:tr h="695939">
                 <a:tc rowSpan="2">
                   <a:txBody>
                     <a:bodyPr/>
@@ -5049,7 +5049,7 @@
                   </a:ext>
                 </a:extLst>
               </a:tr>
-              <a:tr h="539106">
+              <a:tr h="505557">
                 <a:tc vMerge="1">
                   <a:txBody>
                     <a:bodyPr/>
@@ -5411,7 +5411,7 @@
                   </a:ext>
                 </a:extLst>
               </a:tr>
-              <a:tr h="673437">
+              <a:tr h="631528">
                 <a:tc rowSpan="2">
                   <a:txBody>
                     <a:bodyPr/>
@@ -5785,7 +5785,7 @@
                   </a:ext>
                 </a:extLst>
               </a:tr>
-              <a:tr h="695653">
+              <a:tr h="652362">
                 <a:tc vMerge="1">
                   <a:txBody>
                     <a:bodyPr/>
@@ -6160,6 +6160,418 @@
           </a:graphicData>
         </a:graphic>
       </p:graphicFrame>
+      <mc:AlternateContent xmlns:mc="http://schemas.openxmlformats.org/markup-compatibility/2006">
+        <mc:Choice xmlns:a14="http://schemas.microsoft.com/office/drawing/2010/main" Requires="a14">
+          <p:sp>
+            <p:nvSpPr>
+              <p:cNvPr id="3" name="CaixaDeTexto 2">
+                <a:extLst>
+                  <a:ext uri="{FF2B5EF4-FFF2-40B4-BE49-F238E27FC236}">
+                    <a16:creationId xmlns:a16="http://schemas.microsoft.com/office/drawing/2014/main" id="{1C8CE858-28F3-AD1A-D350-C99D10D77F17}"/>
+                  </a:ext>
+                </a:extLst>
+              </p:cNvPr>
+              <p:cNvSpPr txBox="1"/>
+              <p:nvPr/>
+            </p:nvSpPr>
+            <p:spPr>
+              <a:xfrm>
+                <a:off x="6228517" y="4941370"/>
+                <a:ext cx="2888974" cy="476669"/>
+              </a:xfrm>
+              <a:prstGeom prst="rect">
+                <a:avLst/>
+              </a:prstGeom>
+              <a:noFill/>
+            </p:spPr>
+            <p:txBody>
+              <a:bodyPr wrap="square">
+                <a:spAutoFit/>
+              </a:bodyPr>
+              <a:lstStyle/>
+              <a:p>
+                <a:pPr algn="ctr" fontAlgn="ctr"/>
+                <a14:m>
+                  <m:oMathPara xmlns:m="http://schemas.openxmlformats.org/officeDocument/2006/math">
+                    <m:oMathParaPr>
+                      <m:jc m:val="centerGroup"/>
+                    </m:oMathParaPr>
+                    <m:oMath xmlns:m="http://schemas.openxmlformats.org/officeDocument/2006/math">
+                      <m:r>
+                        <a:rPr lang="pt-BR" sz="2400" b="1" i="0" u="none" strike="noStrike" dirty="0" smtClean="0">
+                          <a:solidFill>
+                            <a:schemeClr val="tx1"/>
+                          </a:solidFill>
+                          <a:effectLst/>
+                          <a:latin typeface="Cambria Math" panose="02040503050406030204" pitchFamily="18" charset="0"/>
+                        </a:rPr>
+                        <m:t>𝐍</m:t>
+                      </m:r>
+                      <m:r>
+                        <a:rPr lang="pt-BR" sz="2400" b="1" i="0" u="none" strike="noStrike" dirty="0" smtClean="0">
+                          <a:solidFill>
+                            <a:schemeClr val="tx1"/>
+                          </a:solidFill>
+                          <a:effectLst/>
+                          <a:latin typeface="Cambria Math" panose="02040503050406030204" pitchFamily="18" charset="0"/>
+                        </a:rPr>
+                        <m:t>∈</m:t>
+                      </m:r>
+                      <m:sSub>
+                        <m:sSubPr>
+                          <m:ctrlPr>
+                            <a:rPr lang="pt-BR" sz="2400" b="1" i="1" u="none" strike="noStrike" dirty="0" smtClean="0">
+                              <a:solidFill>
+                                <a:schemeClr val="tx1"/>
+                              </a:solidFill>
+                              <a:effectLst/>
+                              <a:latin typeface="Cambria Math" panose="02040503050406030204" pitchFamily="18" charset="0"/>
+                            </a:rPr>
+                          </m:ctrlPr>
+                        </m:sSubPr>
+                        <m:e>
+                          <m:r>
+                            <a:rPr lang="pt-BR" sz="2400" b="1" i="1" u="none" strike="noStrike" dirty="0" smtClean="0">
+                              <a:solidFill>
+                                <a:schemeClr val="tx1"/>
+                              </a:solidFill>
+                              <a:effectLst/>
+                              <a:latin typeface="Cambria Math" panose="02040503050406030204" pitchFamily="18" charset="0"/>
+                            </a:rPr>
+                            <m:t>𝑰𝑪</m:t>
+                          </m:r>
+                        </m:e>
+                        <m:sub>
+                          <m:r>
+                            <a:rPr lang="pt-BR" sz="2400" b="1" i="1" u="none" strike="noStrike" dirty="0" smtClean="0">
+                              <a:solidFill>
+                                <a:schemeClr val="tx1"/>
+                              </a:solidFill>
+                              <a:effectLst/>
+                              <a:latin typeface="Cambria Math" panose="02040503050406030204" pitchFamily="18" charset="0"/>
+                            </a:rPr>
+                            <m:t>𝟗𝟓</m:t>
+                          </m:r>
+                          <m:r>
+                            <a:rPr lang="pt-BR" sz="2400" b="1" i="1" u="none" strike="noStrike" dirty="0" smtClean="0">
+                              <a:solidFill>
+                                <a:schemeClr val="tx1"/>
+                              </a:solidFill>
+                              <a:effectLst/>
+                              <a:latin typeface="Cambria Math" panose="02040503050406030204" pitchFamily="18" charset="0"/>
+                            </a:rPr>
+                            <m:t>%</m:t>
+                          </m:r>
+                        </m:sub>
+                      </m:sSub>
+                      <m:r>
+                        <a:rPr lang="pt-BR" sz="2400" b="1" i="0" u="none" strike="noStrike" dirty="0" smtClean="0">
+                          <a:solidFill>
+                            <a:schemeClr val="tx1"/>
+                          </a:solidFill>
+                          <a:effectLst/>
+                          <a:latin typeface="Cambria Math" panose="02040503050406030204" pitchFamily="18" charset="0"/>
+                        </a:rPr>
+                        <m:t>𝐍</m:t>
+                      </m:r>
+                      <m:r>
+                        <a:rPr lang="pt-BR" sz="2400" b="1" i="0" u="none" strike="noStrike" dirty="0" smtClean="0">
+                          <a:solidFill>
+                            <a:schemeClr val="tx1"/>
+                          </a:solidFill>
+                          <a:effectLst/>
+                          <a:latin typeface="Cambria Math" panose="02040503050406030204" pitchFamily="18" charset="0"/>
+                        </a:rPr>
+                        <m:t>|</m:t>
+                      </m:r>
+                      <m:bar>
+                        <m:barPr>
+                          <m:ctrlPr>
+                            <a:rPr lang="pt-BR" sz="2400" b="1" i="1" u="none" strike="noStrike" dirty="0" smtClean="0">
+                              <a:solidFill>
+                                <a:schemeClr val="tx1"/>
+                              </a:solidFill>
+                              <a:effectLst/>
+                              <a:latin typeface="Cambria Math" panose="02040503050406030204" pitchFamily="18" charset="0"/>
+                            </a:rPr>
+                          </m:ctrlPr>
+                        </m:barPr>
+                        <m:e>
+                          <m:r>
+                            <a:rPr lang="pt-BR" sz="2400" b="1" i="1" u="none" strike="noStrike" dirty="0" smtClean="0">
+                              <a:solidFill>
+                                <a:schemeClr val="tx1"/>
+                              </a:solidFill>
+                              <a:effectLst/>
+                              <a:latin typeface="Cambria Math" panose="02040503050406030204" pitchFamily="18" charset="0"/>
+                            </a:rPr>
+                            <m:t>𝒏</m:t>
+                          </m:r>
+                        </m:e>
+                      </m:bar>
+                    </m:oMath>
+                  </m:oMathPara>
+                </a14:m>
+                <a:endParaRPr lang="pt-BR" sz="2400" b="1" i="0" u="none" strike="noStrike" dirty="0">
+                  <a:solidFill>
+                    <a:schemeClr val="tx1"/>
+                  </a:solidFill>
+                  <a:effectLst/>
+                  <a:latin typeface="Barlow" panose="00000500000000000000" pitchFamily="2" charset="0"/>
+                </a:endParaRPr>
+              </a:p>
+            </p:txBody>
+          </p:sp>
+        </mc:Choice>
+        <mc:Fallback>
+          <p:sp>
+            <p:nvSpPr>
+              <p:cNvPr id="3" name="CaixaDeTexto 2">
+                <a:extLst>
+                  <a:ext uri="{FF2B5EF4-FFF2-40B4-BE49-F238E27FC236}">
+                    <a16:creationId xmlns:a16="http://schemas.microsoft.com/office/drawing/2014/main" id="{1C8CE858-28F3-AD1A-D350-C99D10D77F17}"/>
+                  </a:ext>
+                </a:extLst>
+              </p:cNvPr>
+              <p:cNvSpPr txBox="1">
+                <a:spLocks noRot="1" noChangeAspect="1" noMove="1" noResize="1" noEditPoints="1" noAdjustHandles="1" noChangeArrowheads="1" noChangeShapeType="1" noTextEdit="1"/>
+              </p:cNvSpPr>
+              <p:nvPr/>
+            </p:nvSpPr>
+            <p:spPr>
+              <a:xfrm>
+                <a:off x="6228517" y="4941370"/>
+                <a:ext cx="2888974" cy="476669"/>
+              </a:xfrm>
+              <a:prstGeom prst="rect">
+                <a:avLst/>
+              </a:prstGeom>
+              <a:blipFill>
+                <a:blip r:embed="rId2"/>
+                <a:stretch>
+                  <a:fillRect b="-14103"/>
+                </a:stretch>
+              </a:blipFill>
+            </p:spPr>
+            <p:txBody>
+              <a:bodyPr/>
+              <a:lstStyle/>
+              <a:p>
+                <a:r>
+                  <a:rPr lang="pt-BR">
+                    <a:noFill/>
+                  </a:rPr>
+                  <a:t> </a:t>
+                </a:r>
+              </a:p>
+            </p:txBody>
+          </p:sp>
+        </mc:Fallback>
+      </mc:AlternateContent>
+      <p:sp>
+        <p:nvSpPr>
+          <p:cNvPr id="7" name="CaixaDeTexto 6">
+            <a:extLst>
+              <a:ext uri="{FF2B5EF4-FFF2-40B4-BE49-F238E27FC236}">
+                <a16:creationId xmlns:a16="http://schemas.microsoft.com/office/drawing/2014/main" id="{B1134E8B-CAE1-A1AC-41D8-4433FDC522A5}"/>
+              </a:ext>
+            </a:extLst>
+          </p:cNvPr>
+          <p:cNvSpPr txBox="1"/>
+          <p:nvPr/>
+        </p:nvSpPr>
+        <p:spPr>
+          <a:xfrm>
+            <a:off x="2358881" y="5474020"/>
+            <a:ext cx="4419605" cy="400110"/>
+          </a:xfrm>
+          <a:prstGeom prst="rect">
+            <a:avLst/>
+          </a:prstGeom>
+          <a:noFill/>
+        </p:spPr>
+        <p:txBody>
+          <a:bodyPr wrap="square" rtlCol="0">
+            <a:spAutoFit/>
+          </a:bodyPr>
+          <a:lstStyle/>
+          <a:p>
+            <a:r>
+              <a:rPr lang="pt-BR" sz="2000" dirty="0">
+                <a:latin typeface="Barlow" panose="00000500000000000000" pitchFamily="2" charset="0"/>
+              </a:rPr>
+              <a:t>Estrutura de atraso independente</a:t>
+            </a:r>
+          </a:p>
+        </p:txBody>
+      </p:sp>
+      <p:sp>
+        <p:nvSpPr>
+          <p:cNvPr id="8" name="CaixaDeTexto 7">
+            <a:extLst>
+              <a:ext uri="{FF2B5EF4-FFF2-40B4-BE49-F238E27FC236}">
+                <a16:creationId xmlns:a16="http://schemas.microsoft.com/office/drawing/2014/main" id="{EF513CF2-9334-5723-32CA-9DE75C3BC1B3}"/>
+              </a:ext>
+            </a:extLst>
+          </p:cNvPr>
+          <p:cNvSpPr txBox="1"/>
+          <p:nvPr/>
+        </p:nvSpPr>
+        <p:spPr>
+          <a:xfrm>
+            <a:off x="2358881" y="5977265"/>
+            <a:ext cx="3399182" cy="400110"/>
+          </a:xfrm>
+          <a:prstGeom prst="rect">
+            <a:avLst/>
+          </a:prstGeom>
+          <a:noFill/>
+        </p:spPr>
+        <p:txBody>
+          <a:bodyPr wrap="square" rtlCol="0">
+            <a:spAutoFit/>
+          </a:bodyPr>
+          <a:lstStyle/>
+          <a:p>
+            <a:r>
+              <a:rPr lang="pt-BR" sz="2000" dirty="0">
+                <a:latin typeface="Barlow" panose="00000500000000000000" pitchFamily="2" charset="0"/>
+              </a:rPr>
+              <a:t>Estrutura conjunta de atraso</a:t>
+            </a:r>
+          </a:p>
+        </p:txBody>
+      </p:sp>
+      <p:sp>
+        <p:nvSpPr>
+          <p:cNvPr id="9" name="CaixaDeTexto 8">
+            <a:extLst>
+              <a:ext uri="{FF2B5EF4-FFF2-40B4-BE49-F238E27FC236}">
+                <a16:creationId xmlns:a16="http://schemas.microsoft.com/office/drawing/2014/main" id="{B6C2A909-DE33-1CA8-27A3-ECCE596F1D3F}"/>
+              </a:ext>
+            </a:extLst>
+          </p:cNvPr>
+          <p:cNvSpPr txBox="1"/>
+          <p:nvPr/>
+        </p:nvSpPr>
+        <p:spPr>
+          <a:xfrm>
+            <a:off x="7169424" y="5474020"/>
+            <a:ext cx="1126800" cy="400110"/>
+          </a:xfrm>
+          <a:prstGeom prst="rect">
+            <a:avLst/>
+          </a:prstGeom>
+          <a:solidFill>
+            <a:srgbClr val="C00000"/>
+          </a:solidFill>
+        </p:spPr>
+        <p:txBody>
+          <a:bodyPr wrap="square" rtlCol="0">
+            <a:spAutoFit/>
+          </a:bodyPr>
+          <a:lstStyle/>
+          <a:p>
+            <a:pPr algn="ctr"/>
+            <a:r>
+              <a:rPr lang="pt-BR" sz="2000" b="1" dirty="0">
+                <a:solidFill>
+                  <a:schemeClr val="bg1"/>
+                </a:solidFill>
+                <a:latin typeface="Barlow" panose="00000500000000000000" pitchFamily="2" charset="0"/>
+              </a:rPr>
+              <a:t>17,14%</a:t>
+            </a:r>
+          </a:p>
+        </p:txBody>
+      </p:sp>
+      <p:sp>
+        <p:nvSpPr>
+          <p:cNvPr id="10" name="CaixaDeTexto 9">
+            <a:extLst>
+              <a:ext uri="{FF2B5EF4-FFF2-40B4-BE49-F238E27FC236}">
+                <a16:creationId xmlns:a16="http://schemas.microsoft.com/office/drawing/2014/main" id="{B093D88F-590D-7F06-30DD-C688C5CBE5DD}"/>
+              </a:ext>
+            </a:extLst>
+          </p:cNvPr>
+          <p:cNvSpPr txBox="1"/>
+          <p:nvPr/>
+        </p:nvSpPr>
+        <p:spPr>
+          <a:xfrm>
+            <a:off x="7169424" y="5977265"/>
+            <a:ext cx="1126436" cy="400110"/>
+          </a:xfrm>
+          <a:prstGeom prst="rect">
+            <a:avLst/>
+          </a:prstGeom>
+          <a:solidFill>
+            <a:srgbClr val="C00000"/>
+          </a:solidFill>
+        </p:spPr>
+        <p:txBody>
+          <a:bodyPr wrap="square" rtlCol="0">
+            <a:spAutoFit/>
+          </a:bodyPr>
+          <a:lstStyle/>
+          <a:p>
+            <a:pPr algn="ctr"/>
+            <a:r>
+              <a:rPr lang="pt-BR" sz="2000" b="1" dirty="0">
+                <a:solidFill>
+                  <a:schemeClr val="bg1"/>
+                </a:solidFill>
+                <a:latin typeface="Barlow" panose="00000500000000000000" pitchFamily="2" charset="0"/>
+              </a:rPr>
+              <a:t>22,86%</a:t>
+            </a:r>
+          </a:p>
+        </p:txBody>
+      </p:sp>
+      <p:cxnSp>
+        <p:nvCxnSpPr>
+          <p:cNvPr id="12" name="Conector reto 11">
+            <a:extLst>
+              <a:ext uri="{FF2B5EF4-FFF2-40B4-BE49-F238E27FC236}">
+                <a16:creationId xmlns:a16="http://schemas.microsoft.com/office/drawing/2014/main" id="{7401D5CB-DBAA-4A2D-0CF5-B49F3238CB3A}"/>
+              </a:ext>
+            </a:extLst>
+          </p:cNvPr>
+          <p:cNvCxnSpPr/>
+          <p:nvPr/>
+        </p:nvCxnSpPr>
+        <p:spPr>
+          <a:xfrm>
+            <a:off x="6387547" y="4936940"/>
+            <a:ext cx="0" cy="1649390"/>
+          </a:xfrm>
+          <a:prstGeom prst="line">
+            <a:avLst/>
+          </a:prstGeom>
+          <a:ln w="25400">
+            <a:solidFill>
+              <a:schemeClr val="bg1">
+                <a:lumMod val="50000"/>
+              </a:schemeClr>
+            </a:solidFill>
+            <a:prstDash val="lgDash"/>
+          </a:ln>
+        </p:spPr>
+        <p:style>
+          <a:lnRef idx="1">
+            <a:schemeClr val="accent1"/>
+          </a:lnRef>
+          <a:fillRef idx="0">
+            <a:schemeClr val="accent1"/>
+          </a:fillRef>
+          <a:effectRef idx="0">
+            <a:schemeClr val="accent1"/>
+          </a:effectRef>
+          <a:fontRef idx="minor">
+            <a:schemeClr val="tx1"/>
+          </a:fontRef>
+        </p:style>
+      </p:cxnSp>
     </p:spTree>
     <p:extLst>
       <p:ext uri="{BB962C8B-B14F-4D97-AF65-F5344CB8AC3E}">
